--- a/Sơ đồ công việc.pptx
+++ b/Sơ đồ công việc.pptx
@@ -6,7 +6,8 @@
   </p:sldMasterIdLst>
   <p:sldIdLst>
     <p:sldId id="256" r:id="rId2"/>
-    <p:sldId id="257" r:id="rId3"/>
+    <p:sldId id="258" r:id="rId3"/>
+    <p:sldId id="257" r:id="rId4"/>
   </p:sldIdLst>
   <p:sldSz cx="12192000" cy="6858000"/>
   <p:notesSz cx="6858000" cy="9144000"/>
@@ -105,6 +106,11 @@
       </a:defRPr>
     </a:lvl9pPr>
   </p:defaultTextStyle>
+  <p:extLst>
+    <p:ext uri="{EFAFB233-063F-42B5-8137-9DF3F51BA10A}">
+      <p15:sldGuideLst xmlns:p15="http://schemas.microsoft.com/office/powerpoint/2012/main"/>
+    </p:ext>
+  </p:extLst>
 </p:presentation>
 </file>
 
@@ -830,7 +836,7 @@
           <a:p>
             <a:fld id="{E7371526-0043-4392-B66A-524D6C391A59}" type="datetimeFigureOut">
               <a:rPr lang="en-US" smtClean="0"/>
-              <a:t>9/10/2023</a:t>
+              <a:t>9/11/2023</a:t>
             </a:fld>
             <a:endParaRPr lang="en-US"/>
           </a:p>
@@ -1081,7 +1087,7 @@
           <a:p>
             <a:fld id="{E7371526-0043-4392-B66A-524D6C391A59}" type="datetimeFigureOut">
               <a:rPr lang="en-US" smtClean="0"/>
-              <a:t>9/10/2023</a:t>
+              <a:t>9/11/2023</a:t>
             </a:fld>
             <a:endParaRPr lang="en-US"/>
           </a:p>
@@ -1395,7 +1401,7 @@
           <a:p>
             <a:fld id="{E7371526-0043-4392-B66A-524D6C391A59}" type="datetimeFigureOut">
               <a:rPr lang="en-US" smtClean="0"/>
-              <a:t>9/10/2023</a:t>
+              <a:t>9/11/2023</a:t>
             </a:fld>
             <a:endParaRPr lang="en-US"/>
           </a:p>
@@ -1736,7 +1742,7 @@
           <a:p>
             <a:fld id="{E7371526-0043-4392-B66A-524D6C391A59}" type="datetimeFigureOut">
               <a:rPr lang="en-US" smtClean="0"/>
-              <a:t>9/10/2023</a:t>
+              <a:t>9/11/2023</a:t>
             </a:fld>
             <a:endParaRPr lang="en-US"/>
           </a:p>
@@ -2050,7 +2056,7 @@
           <a:p>
             <a:fld id="{E7371526-0043-4392-B66A-524D6C391A59}" type="datetimeFigureOut">
               <a:rPr lang="en-US" smtClean="0"/>
-              <a:t>9/10/2023</a:t>
+              <a:t>9/11/2023</a:t>
             </a:fld>
             <a:endParaRPr lang="en-US"/>
           </a:p>
@@ -2443,7 +2449,7 @@
           <a:p>
             <a:fld id="{E7371526-0043-4392-B66A-524D6C391A59}" type="datetimeFigureOut">
               <a:rPr lang="en-US" smtClean="0"/>
-              <a:t>9/10/2023</a:t>
+              <a:t>9/11/2023</a:t>
             </a:fld>
             <a:endParaRPr lang="en-US"/>
           </a:p>
@@ -2613,7 +2619,7 @@
           <a:p>
             <a:fld id="{E7371526-0043-4392-B66A-524D6C391A59}" type="datetimeFigureOut">
               <a:rPr lang="en-US" smtClean="0"/>
-              <a:t>9/10/2023</a:t>
+              <a:t>9/11/2023</a:t>
             </a:fld>
             <a:endParaRPr lang="en-US"/>
           </a:p>
@@ -2793,7 +2799,7 @@
           <a:p>
             <a:fld id="{E7371526-0043-4392-B66A-524D6C391A59}" type="datetimeFigureOut">
               <a:rPr lang="en-US" smtClean="0"/>
-              <a:t>9/10/2023</a:t>
+              <a:t>9/11/2023</a:t>
             </a:fld>
             <a:endParaRPr lang="en-US"/>
           </a:p>
@@ -2969,7 +2975,7 @@
           <a:p>
             <a:fld id="{E7371526-0043-4392-B66A-524D6C391A59}" type="datetimeFigureOut">
               <a:rPr lang="en-US" smtClean="0"/>
-              <a:t>9/10/2023</a:t>
+              <a:t>9/11/2023</a:t>
             </a:fld>
             <a:endParaRPr lang="en-US"/>
           </a:p>
@@ -3216,7 +3222,7 @@
           <a:p>
             <a:fld id="{E7371526-0043-4392-B66A-524D6C391A59}" type="datetimeFigureOut">
               <a:rPr lang="en-US" smtClean="0"/>
-              <a:t>9/10/2023</a:t>
+              <a:t>9/11/2023</a:t>
             </a:fld>
             <a:endParaRPr lang="en-US"/>
           </a:p>
@@ -3448,7 +3454,7 @@
           <a:p>
             <a:fld id="{E7371526-0043-4392-B66A-524D6C391A59}" type="datetimeFigureOut">
               <a:rPr lang="en-US" smtClean="0"/>
-              <a:t>9/10/2023</a:t>
+              <a:t>9/11/2023</a:t>
             </a:fld>
             <a:endParaRPr lang="en-US"/>
           </a:p>
@@ -3822,7 +3828,7 @@
           <a:p>
             <a:fld id="{E7371526-0043-4392-B66A-524D6C391A59}" type="datetimeFigureOut">
               <a:rPr lang="en-US" smtClean="0"/>
-              <a:t>9/10/2023</a:t>
+              <a:t>9/11/2023</a:t>
             </a:fld>
             <a:endParaRPr lang="en-US"/>
           </a:p>
@@ -3945,7 +3951,7 @@
           <a:p>
             <a:fld id="{E7371526-0043-4392-B66A-524D6C391A59}" type="datetimeFigureOut">
               <a:rPr lang="en-US" smtClean="0"/>
-              <a:t>9/10/2023</a:t>
+              <a:t>9/11/2023</a:t>
             </a:fld>
             <a:endParaRPr lang="en-US"/>
           </a:p>
@@ -4040,7 +4046,7 @@
           <a:p>
             <a:fld id="{E7371526-0043-4392-B66A-524D6C391A59}" type="datetimeFigureOut">
               <a:rPr lang="en-US" smtClean="0"/>
-              <a:t>9/10/2023</a:t>
+              <a:t>9/11/2023</a:t>
             </a:fld>
             <a:endParaRPr lang="en-US"/>
           </a:p>
@@ -4295,7 +4301,7 @@
           <a:p>
             <a:fld id="{E7371526-0043-4392-B66A-524D6C391A59}" type="datetimeFigureOut">
               <a:rPr lang="en-US" smtClean="0"/>
-              <a:t>9/10/2023</a:t>
+              <a:t>9/11/2023</a:t>
             </a:fld>
             <a:endParaRPr lang="en-US"/>
           </a:p>
@@ -4558,7 +4564,7 @@
           <a:p>
             <a:fld id="{E7371526-0043-4392-B66A-524D6C391A59}" type="datetimeFigureOut">
               <a:rPr lang="en-US" smtClean="0"/>
-              <a:t>9/10/2023</a:t>
+              <a:t>9/11/2023</a:t>
             </a:fld>
             <a:endParaRPr lang="en-US"/>
           </a:p>
@@ -5301,7 +5307,7 @@
           <a:p>
             <a:fld id="{E7371526-0043-4392-B66A-524D6C391A59}" type="datetimeFigureOut">
               <a:rPr lang="en-US" smtClean="0"/>
-              <a:t>9/10/2023</a:t>
+              <a:t>9/11/2023</a:t>
             </a:fld>
             <a:endParaRPr lang="en-US"/>
           </a:p>
@@ -6070,7 +6076,7 @@
           <p:cNvPr id="2" name="Title 1">
             <a:extLst>
               <a:ext uri="{FF2B5EF4-FFF2-40B4-BE49-F238E27FC236}">
-                <a16:creationId xmlns:a16="http://schemas.microsoft.com/office/drawing/2014/main" id="{F5B6A368-C51C-FF3B-F464-EE252EAF4B13}"/>
+                <a16:creationId xmlns:a16="http://schemas.microsoft.com/office/drawing/2014/main" id="{E72560A8-C0CB-E29F-A711-9EF45F9219AB}"/>
               </a:ext>
             </a:extLst>
           </p:cNvPr>
@@ -6086,12 +6092,19 @@
           <a:bodyPr/>
           <a:lstStyle/>
           <a:p>
+            <a:r>
+              <a:rPr lang="en-US" dirty="0">
+                <a:latin typeface="Times New Roman" panose="02020603050405020304" pitchFamily="18" charset="0"/>
+                <a:cs typeface="Times New Roman" panose="02020603050405020304" pitchFamily="18" charset="0"/>
+              </a:rPr>
+              <a:t>Role </a:t>
+            </a:r>
             <a:r>
               <a:rPr lang="en-US" dirty="0" err="1">
                 <a:latin typeface="Times New Roman" panose="02020603050405020304" pitchFamily="18" charset="0"/>
                 <a:cs typeface="Times New Roman" panose="02020603050405020304" pitchFamily="18" charset="0"/>
               </a:rPr>
-              <a:t>Sơ</a:t>
+              <a:t>hoạt</a:t>
             </a:r>
             <a:r>
               <a:rPr lang="en-US" dirty="0">
@@ -6105,34 +6118,6 @@
                 <a:latin typeface="Times New Roman" panose="02020603050405020304" pitchFamily="18" charset="0"/>
                 <a:cs typeface="Times New Roman" panose="02020603050405020304" pitchFamily="18" charset="0"/>
               </a:rPr>
-              <a:t>đồ</a:t>
-            </a:r>
-            <a:r>
-              <a:rPr lang="en-US" dirty="0">
-                <a:latin typeface="Times New Roman" panose="02020603050405020304" pitchFamily="18" charset="0"/>
-                <a:cs typeface="Times New Roman" panose="02020603050405020304" pitchFamily="18" charset="0"/>
-              </a:rPr>
-              <a:t> </a:t>
-            </a:r>
-            <a:r>
-              <a:rPr lang="en-US" dirty="0" err="1">
-                <a:latin typeface="Times New Roman" panose="02020603050405020304" pitchFamily="18" charset="0"/>
-                <a:cs typeface="Times New Roman" panose="02020603050405020304" pitchFamily="18" charset="0"/>
-              </a:rPr>
-              <a:t>hoạt</a:t>
-            </a:r>
-            <a:r>
-              <a:rPr lang="en-US" dirty="0">
-                <a:latin typeface="Times New Roman" panose="02020603050405020304" pitchFamily="18" charset="0"/>
-                <a:cs typeface="Times New Roman" panose="02020603050405020304" pitchFamily="18" charset="0"/>
-              </a:rPr>
-              <a:t> </a:t>
-            </a:r>
-            <a:r>
-              <a:rPr lang="en-US" dirty="0" err="1">
-                <a:latin typeface="Times New Roman" panose="02020603050405020304" pitchFamily="18" charset="0"/>
-                <a:cs typeface="Times New Roman" panose="02020603050405020304" pitchFamily="18" charset="0"/>
-              </a:rPr>
               <a:t>động</a:t>
             </a:r>
             <a:endParaRPr lang="en-US" dirty="0">
@@ -6144,10 +6129,10 @@
       </p:sp>
       <p:sp>
         <p:nvSpPr>
-          <p:cNvPr id="6" name="Rectangle: Rounded Corners 5">
+          <p:cNvPr id="4" name="Rectangle: Rounded Corners 3">
             <a:extLst>
               <a:ext uri="{FF2B5EF4-FFF2-40B4-BE49-F238E27FC236}">
-                <a16:creationId xmlns:a16="http://schemas.microsoft.com/office/drawing/2014/main" id="{64D4567D-8434-EE66-F142-075D6368B00C}"/>
+                <a16:creationId xmlns:a16="http://schemas.microsoft.com/office/drawing/2014/main" id="{A9221D16-A31A-FF9D-F5B8-27A52EF4CFC8}"/>
               </a:ext>
             </a:extLst>
           </p:cNvPr>
@@ -6156,12 +6141,17 @@
         </p:nvSpPr>
         <p:spPr>
           <a:xfrm>
-            <a:off x="334434" y="2868978"/>
-            <a:ext cx="1679331" cy="703385"/>
+            <a:off x="8828944" y="2113167"/>
+            <a:ext cx="1784838" cy="668215"/>
           </a:xfrm>
           <a:prstGeom prst="roundRect">
             <a:avLst/>
           </a:prstGeom>
+          <a:solidFill>
+            <a:schemeClr val="bg1">
+              <a:lumMod val="95000"/>
+            </a:schemeClr>
+          </a:solidFill>
         </p:spPr>
         <p:style>
           <a:lnRef idx="2">
@@ -6185,23 +6175,30 @@
           <a:p>
             <a:pPr algn="ctr"/>
             <a:r>
-              <a:rPr lang="en-US" dirty="0"/>
-              <a:t>Trang </a:t>
-            </a:r>
-            <a:r>
-              <a:rPr lang="en-US" dirty="0" err="1"/>
-              <a:t>chủ</a:t>
-            </a:r>
-            <a:endParaRPr lang="en-US" dirty="0"/>
-          </a:p>
-        </p:txBody>
-      </p:sp>
-      <p:sp>
-        <p:nvSpPr>
-          <p:cNvPr id="7" name="Rectangle: Rounded Corners 6">
+              <a:rPr lang="en-US" dirty="0">
+                <a:ln w="0"/>
+                <a:solidFill>
+                  <a:schemeClr val="tx1"/>
+                </a:solidFill>
+                <a:effectLst>
+                  <a:outerShdw blurRad="38100" dist="19050" dir="2700000" algn="tl" rotWithShape="0">
+                    <a:schemeClr val="dk1">
+                      <a:alpha val="40000"/>
+                    </a:schemeClr>
+                  </a:outerShdw>
+                </a:effectLst>
+              </a:rPr>
+              <a:t>Villa</a:t>
+            </a:r>
+          </a:p>
+        </p:txBody>
+      </p:sp>
+      <p:sp>
+        <p:nvSpPr>
+          <p:cNvPr id="5" name="Rectangle: Rounded Corners 4">
             <a:extLst>
               <a:ext uri="{FF2B5EF4-FFF2-40B4-BE49-F238E27FC236}">
-                <a16:creationId xmlns:a16="http://schemas.microsoft.com/office/drawing/2014/main" id="{712379EE-F15E-F26A-64C0-0E58C720088F}"/>
+                <a16:creationId xmlns:a16="http://schemas.microsoft.com/office/drawing/2014/main" id="{FE7516DA-DB21-853F-27C2-F713A566D2AB}"/>
               </a:ext>
             </a:extLst>
           </p:cNvPr>
@@ -6210,12 +6207,17 @@
         </p:nvSpPr>
         <p:spPr>
           <a:xfrm>
-            <a:off x="4257264" y="1208086"/>
-            <a:ext cx="1679331" cy="703385"/>
+            <a:off x="8828944" y="5267902"/>
+            <a:ext cx="1784838" cy="668215"/>
           </a:xfrm>
           <a:prstGeom prst="roundRect">
             <a:avLst/>
           </a:prstGeom>
+          <a:solidFill>
+            <a:schemeClr val="bg1">
+              <a:lumMod val="95000"/>
+            </a:schemeClr>
+          </a:solidFill>
         </p:spPr>
         <p:style>
           <a:lnRef idx="2">
@@ -6239,6 +6241,1331 @@
           <a:p>
             <a:pPr algn="ctr"/>
             <a:r>
+              <a:rPr lang="en-US" dirty="0">
+                <a:ln w="0"/>
+                <a:solidFill>
+                  <a:schemeClr val="tx1"/>
+                </a:solidFill>
+                <a:effectLst>
+                  <a:outerShdw blurRad="38100" dist="19050" dir="2700000" algn="tl" rotWithShape="0">
+                    <a:schemeClr val="dk1">
+                      <a:alpha val="40000"/>
+                    </a:schemeClr>
+                  </a:outerShdw>
+                </a:effectLst>
+              </a:rPr>
+              <a:t>Booking</a:t>
+            </a:r>
+          </a:p>
+        </p:txBody>
+      </p:sp>
+      <p:sp>
+        <p:nvSpPr>
+          <p:cNvPr id="7" name="Oval 6">
+            <a:extLst>
+              <a:ext uri="{FF2B5EF4-FFF2-40B4-BE49-F238E27FC236}">
+                <a16:creationId xmlns:a16="http://schemas.microsoft.com/office/drawing/2014/main" id="{022DA188-0EF0-674A-3410-342835727BF1}"/>
+              </a:ext>
+            </a:extLst>
+          </p:cNvPr>
+          <p:cNvSpPr/>
+          <p:nvPr/>
+        </p:nvSpPr>
+        <p:spPr>
+          <a:xfrm>
+            <a:off x="4262301" y="2113166"/>
+            <a:ext cx="1645499" cy="668215"/>
+          </a:xfrm>
+          <a:prstGeom prst="ellipse">
+            <a:avLst/>
+          </a:prstGeom>
+        </p:spPr>
+        <p:style>
+          <a:lnRef idx="2">
+            <a:schemeClr val="accent5">
+              <a:shade val="15000"/>
+            </a:schemeClr>
+          </a:lnRef>
+          <a:fillRef idx="1">
+            <a:schemeClr val="accent5"/>
+          </a:fillRef>
+          <a:effectRef idx="0">
+            <a:schemeClr val="accent5"/>
+          </a:effectRef>
+          <a:fontRef idx="minor">
+            <a:schemeClr val="lt1"/>
+          </a:fontRef>
+        </p:style>
+        <p:txBody>
+          <a:bodyPr rtlCol="0" anchor="ctr"/>
+          <a:lstStyle/>
+          <a:p>
+            <a:pPr algn="ctr"/>
+            <a:r>
+              <a:rPr lang="en-US" dirty="0"/>
+              <a:t>Account Admin</a:t>
+            </a:r>
+          </a:p>
+        </p:txBody>
+      </p:sp>
+      <p:sp>
+        <p:nvSpPr>
+          <p:cNvPr id="8" name="Oval 7">
+            <a:extLst>
+              <a:ext uri="{FF2B5EF4-FFF2-40B4-BE49-F238E27FC236}">
+                <a16:creationId xmlns:a16="http://schemas.microsoft.com/office/drawing/2014/main" id="{8D9823A6-24A8-116F-CEAF-5D5D19520121}"/>
+              </a:ext>
+            </a:extLst>
+          </p:cNvPr>
+          <p:cNvSpPr/>
+          <p:nvPr/>
+        </p:nvSpPr>
+        <p:spPr>
+          <a:xfrm>
+            <a:off x="2444264" y="3202297"/>
+            <a:ext cx="1510938" cy="668215"/>
+          </a:xfrm>
+          <a:prstGeom prst="ellipse">
+            <a:avLst/>
+          </a:prstGeom>
+        </p:spPr>
+        <p:style>
+          <a:lnRef idx="2">
+            <a:schemeClr val="accent4">
+              <a:shade val="15000"/>
+            </a:schemeClr>
+          </a:lnRef>
+          <a:fillRef idx="1">
+            <a:schemeClr val="accent4"/>
+          </a:fillRef>
+          <a:effectRef idx="0">
+            <a:schemeClr val="accent4"/>
+          </a:effectRef>
+          <a:fontRef idx="minor">
+            <a:schemeClr val="lt1"/>
+          </a:fontRef>
+        </p:style>
+        <p:txBody>
+          <a:bodyPr rtlCol="0" anchor="ctr"/>
+          <a:lstStyle/>
+          <a:p>
+            <a:pPr algn="ctr"/>
+            <a:r>
+              <a:rPr lang="en-US" dirty="0"/>
+              <a:t>Account CSKH</a:t>
+            </a:r>
+          </a:p>
+        </p:txBody>
+      </p:sp>
+      <p:sp>
+        <p:nvSpPr>
+          <p:cNvPr id="9" name="Oval 8">
+            <a:extLst>
+              <a:ext uri="{FF2B5EF4-FFF2-40B4-BE49-F238E27FC236}">
+                <a16:creationId xmlns:a16="http://schemas.microsoft.com/office/drawing/2014/main" id="{D334CE1F-EFE1-5168-99B9-07486676B5FB}"/>
+              </a:ext>
+            </a:extLst>
+          </p:cNvPr>
+          <p:cNvSpPr/>
+          <p:nvPr/>
+        </p:nvSpPr>
+        <p:spPr>
+          <a:xfrm>
+            <a:off x="4064347" y="5224416"/>
+            <a:ext cx="2058739" cy="668215"/>
+          </a:xfrm>
+          <a:prstGeom prst="ellipse">
+            <a:avLst/>
+          </a:prstGeom>
+        </p:spPr>
+        <p:style>
+          <a:lnRef idx="2">
+            <a:schemeClr val="accent2">
+              <a:shade val="15000"/>
+            </a:schemeClr>
+          </a:lnRef>
+          <a:fillRef idx="1">
+            <a:schemeClr val="accent2"/>
+          </a:fillRef>
+          <a:effectRef idx="0">
+            <a:schemeClr val="accent2"/>
+          </a:effectRef>
+          <a:fontRef idx="minor">
+            <a:schemeClr val="lt1"/>
+          </a:fontRef>
+        </p:style>
+        <p:txBody>
+          <a:bodyPr rtlCol="0" anchor="ctr"/>
+          <a:lstStyle/>
+          <a:p>
+            <a:pPr algn="ctr"/>
+            <a:r>
+              <a:rPr lang="en-US" dirty="0"/>
+              <a:t>Account </a:t>
+            </a:r>
+            <a:r>
+              <a:rPr lang="en-US" dirty="0" err="1"/>
+              <a:t>Khách</a:t>
+            </a:r>
+            <a:r>
+              <a:rPr lang="en-US" dirty="0"/>
+              <a:t> </a:t>
+            </a:r>
+            <a:r>
+              <a:rPr lang="en-US" dirty="0" err="1"/>
+              <a:t>hàng</a:t>
+            </a:r>
+            <a:endParaRPr lang="en-US" dirty="0"/>
+          </a:p>
+        </p:txBody>
+      </p:sp>
+      <p:cxnSp>
+        <p:nvCxnSpPr>
+          <p:cNvPr id="11" name="Straight Arrow Connector 10">
+            <a:extLst>
+              <a:ext uri="{FF2B5EF4-FFF2-40B4-BE49-F238E27FC236}">
+                <a16:creationId xmlns:a16="http://schemas.microsoft.com/office/drawing/2014/main" id="{C743FCA7-4646-4762-E1EB-B2BA72AF0124}"/>
+              </a:ext>
+            </a:extLst>
+          </p:cNvPr>
+          <p:cNvCxnSpPr>
+            <a:cxnSpLocks/>
+            <a:stCxn id="7" idx="3"/>
+            <a:endCxn id="8" idx="7"/>
+          </p:cNvCxnSpPr>
+          <p:nvPr/>
+        </p:nvCxnSpPr>
+        <p:spPr>
+          <a:xfrm flipH="1">
+            <a:off x="3733930" y="2683523"/>
+            <a:ext cx="769349" cy="616632"/>
+          </a:xfrm>
+          <a:prstGeom prst="straightConnector1">
+            <a:avLst/>
+          </a:prstGeom>
+          <a:ln>
+            <a:tailEnd type="triangle"/>
+          </a:ln>
+        </p:spPr>
+        <p:style>
+          <a:lnRef idx="2">
+            <a:schemeClr val="dk1"/>
+          </a:lnRef>
+          <a:fillRef idx="0">
+            <a:schemeClr val="dk1"/>
+          </a:fillRef>
+          <a:effectRef idx="1">
+            <a:schemeClr val="dk1"/>
+          </a:effectRef>
+          <a:fontRef idx="minor">
+            <a:schemeClr val="tx1"/>
+          </a:fontRef>
+        </p:style>
+      </p:cxnSp>
+      <p:sp>
+        <p:nvSpPr>
+          <p:cNvPr id="13" name="TextBox 12">
+            <a:extLst>
+              <a:ext uri="{FF2B5EF4-FFF2-40B4-BE49-F238E27FC236}">
+                <a16:creationId xmlns:a16="http://schemas.microsoft.com/office/drawing/2014/main" id="{EC02A750-27E3-E3FA-8E9E-D064844F67E0}"/>
+              </a:ext>
+            </a:extLst>
+          </p:cNvPr>
+          <p:cNvSpPr txBox="1"/>
+          <p:nvPr/>
+        </p:nvSpPr>
+        <p:spPr>
+          <a:xfrm>
+            <a:off x="3376693" y="2758244"/>
+            <a:ext cx="768159" cy="369332"/>
+          </a:xfrm>
+          <a:prstGeom prst="rect">
+            <a:avLst/>
+          </a:prstGeom>
+          <a:noFill/>
+        </p:spPr>
+        <p:txBody>
+          <a:bodyPr wrap="none" rtlCol="0">
+            <a:spAutoFit/>
+          </a:bodyPr>
+          <a:lstStyle/>
+          <a:p>
+            <a:r>
+              <a:rPr lang="en-US" dirty="0"/>
+              <a:t>C.R.D</a:t>
+            </a:r>
+          </a:p>
+        </p:txBody>
+      </p:sp>
+      <p:cxnSp>
+        <p:nvCxnSpPr>
+          <p:cNvPr id="15" name="Connector: Elbow 14">
+            <a:extLst>
+              <a:ext uri="{FF2B5EF4-FFF2-40B4-BE49-F238E27FC236}">
+                <a16:creationId xmlns:a16="http://schemas.microsoft.com/office/drawing/2014/main" id="{B101426D-9301-99F5-8E54-70404809E7C2}"/>
+              </a:ext>
+            </a:extLst>
+          </p:cNvPr>
+          <p:cNvCxnSpPr>
+            <a:cxnSpLocks/>
+            <a:stCxn id="7" idx="6"/>
+            <a:endCxn id="4" idx="1"/>
+          </p:cNvCxnSpPr>
+          <p:nvPr/>
+        </p:nvCxnSpPr>
+        <p:spPr>
+          <a:xfrm>
+            <a:off x="5907800" y="2447274"/>
+            <a:ext cx="2921144" cy="1"/>
+          </a:xfrm>
+          <a:prstGeom prst="bentConnector3">
+            <a:avLst/>
+          </a:prstGeom>
+          <a:ln>
+            <a:tailEnd type="triangle"/>
+          </a:ln>
+        </p:spPr>
+        <p:style>
+          <a:lnRef idx="2">
+            <a:schemeClr val="dk1"/>
+          </a:lnRef>
+          <a:fillRef idx="0">
+            <a:schemeClr val="dk1"/>
+          </a:fillRef>
+          <a:effectRef idx="1">
+            <a:schemeClr val="dk1"/>
+          </a:effectRef>
+          <a:fontRef idx="minor">
+            <a:schemeClr val="tx1"/>
+          </a:fontRef>
+        </p:style>
+      </p:cxnSp>
+      <p:sp>
+        <p:nvSpPr>
+          <p:cNvPr id="18" name="TextBox 17">
+            <a:extLst>
+              <a:ext uri="{FF2B5EF4-FFF2-40B4-BE49-F238E27FC236}">
+                <a16:creationId xmlns:a16="http://schemas.microsoft.com/office/drawing/2014/main" id="{96ED86B0-5A58-7BCA-E677-40A60A02923A}"/>
+              </a:ext>
+            </a:extLst>
+          </p:cNvPr>
+          <p:cNvSpPr txBox="1"/>
+          <p:nvPr/>
+        </p:nvSpPr>
+        <p:spPr>
+          <a:xfrm>
+            <a:off x="6717451" y="1996748"/>
+            <a:ext cx="1002197" cy="369332"/>
+          </a:xfrm>
+          <a:prstGeom prst="rect">
+            <a:avLst/>
+          </a:prstGeom>
+          <a:noFill/>
+        </p:spPr>
+        <p:txBody>
+          <a:bodyPr wrap="none" rtlCol="0">
+            <a:spAutoFit/>
+          </a:bodyPr>
+          <a:lstStyle/>
+          <a:p>
+            <a:r>
+              <a:rPr lang="en-US" dirty="0"/>
+              <a:t>C.R.U.D</a:t>
+            </a:r>
+          </a:p>
+        </p:txBody>
+      </p:sp>
+      <p:cxnSp>
+        <p:nvCxnSpPr>
+          <p:cNvPr id="20" name="Straight Arrow Connector 19">
+            <a:extLst>
+              <a:ext uri="{FF2B5EF4-FFF2-40B4-BE49-F238E27FC236}">
+                <a16:creationId xmlns:a16="http://schemas.microsoft.com/office/drawing/2014/main" id="{A394C633-9210-9D5A-946A-D5FDEF6CEB18}"/>
+              </a:ext>
+            </a:extLst>
+          </p:cNvPr>
+          <p:cNvCxnSpPr>
+            <a:cxnSpLocks/>
+            <a:stCxn id="7" idx="4"/>
+            <a:endCxn id="100" idx="0"/>
+          </p:cNvCxnSpPr>
+          <p:nvPr/>
+        </p:nvCxnSpPr>
+        <p:spPr>
+          <a:xfrm>
+            <a:off x="5085051" y="2781381"/>
+            <a:ext cx="1" cy="637149"/>
+          </a:xfrm>
+          <a:prstGeom prst="straightConnector1">
+            <a:avLst/>
+          </a:prstGeom>
+          <a:ln>
+            <a:tailEnd type="triangle"/>
+          </a:ln>
+        </p:spPr>
+        <p:style>
+          <a:lnRef idx="2">
+            <a:schemeClr val="dk1"/>
+          </a:lnRef>
+          <a:fillRef idx="0">
+            <a:schemeClr val="dk1"/>
+          </a:fillRef>
+          <a:effectRef idx="1">
+            <a:schemeClr val="dk1"/>
+          </a:effectRef>
+          <a:fontRef idx="minor">
+            <a:schemeClr val="tx1"/>
+          </a:fontRef>
+        </p:style>
+      </p:cxnSp>
+      <p:sp>
+        <p:nvSpPr>
+          <p:cNvPr id="21" name="TextBox 20">
+            <a:extLst>
+              <a:ext uri="{FF2B5EF4-FFF2-40B4-BE49-F238E27FC236}">
+                <a16:creationId xmlns:a16="http://schemas.microsoft.com/office/drawing/2014/main" id="{05C18C92-9C18-CC35-519D-021E809038D6}"/>
+              </a:ext>
+            </a:extLst>
+          </p:cNvPr>
+          <p:cNvSpPr txBox="1"/>
+          <p:nvPr/>
+        </p:nvSpPr>
+        <p:spPr>
+          <a:xfrm>
+            <a:off x="4539709" y="4232256"/>
+            <a:ext cx="545342" cy="369332"/>
+          </a:xfrm>
+          <a:prstGeom prst="rect">
+            <a:avLst/>
+          </a:prstGeom>
+          <a:noFill/>
+        </p:spPr>
+        <p:txBody>
+          <a:bodyPr wrap="none" rtlCol="0">
+            <a:spAutoFit/>
+          </a:bodyPr>
+          <a:lstStyle/>
+          <a:p>
+            <a:r>
+              <a:rPr lang="en-US" dirty="0"/>
+              <a:t>R.D</a:t>
+            </a:r>
+          </a:p>
+        </p:txBody>
+      </p:sp>
+      <p:cxnSp>
+        <p:nvCxnSpPr>
+          <p:cNvPr id="58" name="Straight Arrow Connector 57">
+            <a:extLst>
+              <a:ext uri="{FF2B5EF4-FFF2-40B4-BE49-F238E27FC236}">
+                <a16:creationId xmlns:a16="http://schemas.microsoft.com/office/drawing/2014/main" id="{E24D67D7-59EE-9D92-E2D0-5EBC45F0F345}"/>
+              </a:ext>
+            </a:extLst>
+          </p:cNvPr>
+          <p:cNvCxnSpPr>
+            <a:cxnSpLocks/>
+            <a:stCxn id="8" idx="6"/>
+            <a:endCxn id="100" idx="2"/>
+          </p:cNvCxnSpPr>
+          <p:nvPr/>
+        </p:nvCxnSpPr>
+        <p:spPr>
+          <a:xfrm flipV="1">
+            <a:off x="3955202" y="3532830"/>
+            <a:ext cx="1011153" cy="3575"/>
+          </a:xfrm>
+          <a:prstGeom prst="straightConnector1">
+            <a:avLst/>
+          </a:prstGeom>
+          <a:ln>
+            <a:tailEnd type="triangle"/>
+          </a:ln>
+        </p:spPr>
+        <p:style>
+          <a:lnRef idx="2">
+            <a:schemeClr val="dk1"/>
+          </a:lnRef>
+          <a:fillRef idx="0">
+            <a:schemeClr val="dk1"/>
+          </a:fillRef>
+          <a:effectRef idx="1">
+            <a:schemeClr val="dk1"/>
+          </a:effectRef>
+          <a:fontRef idx="minor">
+            <a:schemeClr val="tx1"/>
+          </a:fontRef>
+        </p:style>
+      </p:cxnSp>
+      <p:sp>
+        <p:nvSpPr>
+          <p:cNvPr id="60" name="Rectangle: Rounded Corners 59">
+            <a:extLst>
+              <a:ext uri="{FF2B5EF4-FFF2-40B4-BE49-F238E27FC236}">
+                <a16:creationId xmlns:a16="http://schemas.microsoft.com/office/drawing/2014/main" id="{15C4BEF5-3BFB-FA9F-CF05-8B2B3BE1DA5A}"/>
+              </a:ext>
+            </a:extLst>
+          </p:cNvPr>
+          <p:cNvSpPr/>
+          <p:nvPr/>
+        </p:nvSpPr>
+        <p:spPr>
+          <a:xfrm>
+            <a:off x="677334" y="2152160"/>
+            <a:ext cx="1125415" cy="581242"/>
+          </a:xfrm>
+          <a:prstGeom prst="roundRect">
+            <a:avLst/>
+          </a:prstGeom>
+        </p:spPr>
+        <p:style>
+          <a:lnRef idx="2">
+            <a:schemeClr val="accent6">
+              <a:shade val="15000"/>
+            </a:schemeClr>
+          </a:lnRef>
+          <a:fillRef idx="1">
+            <a:schemeClr val="accent6"/>
+          </a:fillRef>
+          <a:effectRef idx="0">
+            <a:schemeClr val="accent6"/>
+          </a:effectRef>
+          <a:fontRef idx="minor">
+            <a:schemeClr val="lt1"/>
+          </a:fontRef>
+        </p:style>
+        <p:txBody>
+          <a:bodyPr rtlCol="0" anchor="ctr"/>
+          <a:lstStyle/>
+          <a:p>
+            <a:pPr algn="ctr"/>
+            <a:r>
+              <a:rPr lang="en-US" dirty="0" err="1"/>
+              <a:t>Doanh</a:t>
+            </a:r>
+            <a:r>
+              <a:rPr lang="en-US" dirty="0"/>
+              <a:t> </a:t>
+            </a:r>
+            <a:r>
+              <a:rPr lang="en-US" dirty="0" err="1"/>
+              <a:t>nghiệp</a:t>
+            </a:r>
+            <a:endParaRPr lang="en-US" dirty="0"/>
+          </a:p>
+        </p:txBody>
+      </p:sp>
+      <p:cxnSp>
+        <p:nvCxnSpPr>
+          <p:cNvPr id="73" name="Straight Arrow Connector 72">
+            <a:extLst>
+              <a:ext uri="{FF2B5EF4-FFF2-40B4-BE49-F238E27FC236}">
+                <a16:creationId xmlns:a16="http://schemas.microsoft.com/office/drawing/2014/main" id="{44E941CC-113C-3238-DEB0-6F7DCF171372}"/>
+              </a:ext>
+            </a:extLst>
+          </p:cNvPr>
+          <p:cNvCxnSpPr>
+            <a:cxnSpLocks/>
+            <a:stCxn id="100" idx="4"/>
+            <a:endCxn id="9" idx="0"/>
+          </p:cNvCxnSpPr>
+          <p:nvPr/>
+        </p:nvCxnSpPr>
+        <p:spPr>
+          <a:xfrm>
+            <a:off x="5085052" y="3647130"/>
+            <a:ext cx="8665" cy="1577286"/>
+          </a:xfrm>
+          <a:prstGeom prst="straightConnector1">
+            <a:avLst/>
+          </a:prstGeom>
+          <a:ln>
+            <a:tailEnd type="triangle"/>
+          </a:ln>
+        </p:spPr>
+        <p:style>
+          <a:lnRef idx="2">
+            <a:schemeClr val="dk1"/>
+          </a:lnRef>
+          <a:fillRef idx="0">
+            <a:schemeClr val="dk1"/>
+          </a:fillRef>
+          <a:effectRef idx="1">
+            <a:schemeClr val="dk1"/>
+          </a:effectRef>
+          <a:fontRef idx="minor">
+            <a:schemeClr val="tx1"/>
+          </a:fontRef>
+        </p:style>
+      </p:cxnSp>
+      <p:sp>
+        <p:nvSpPr>
+          <p:cNvPr id="81" name="Rectangle: Rounded Corners 80">
+            <a:extLst>
+              <a:ext uri="{FF2B5EF4-FFF2-40B4-BE49-F238E27FC236}">
+                <a16:creationId xmlns:a16="http://schemas.microsoft.com/office/drawing/2014/main" id="{1163558F-F08F-654C-ADCB-B58A96859F5E}"/>
+              </a:ext>
+            </a:extLst>
+          </p:cNvPr>
+          <p:cNvSpPr/>
+          <p:nvPr/>
+        </p:nvSpPr>
+        <p:spPr>
+          <a:xfrm>
+            <a:off x="677334" y="3245783"/>
+            <a:ext cx="1125415" cy="581242"/>
+          </a:xfrm>
+          <a:prstGeom prst="roundRect">
+            <a:avLst/>
+          </a:prstGeom>
+        </p:spPr>
+        <p:style>
+          <a:lnRef idx="2">
+            <a:schemeClr val="accent6">
+              <a:shade val="15000"/>
+            </a:schemeClr>
+          </a:lnRef>
+          <a:fillRef idx="1">
+            <a:schemeClr val="accent6"/>
+          </a:fillRef>
+          <a:effectRef idx="0">
+            <a:schemeClr val="accent6"/>
+          </a:effectRef>
+          <a:fontRef idx="minor">
+            <a:schemeClr val="lt1"/>
+          </a:fontRef>
+        </p:style>
+        <p:txBody>
+          <a:bodyPr rtlCol="0" anchor="ctr"/>
+          <a:lstStyle/>
+          <a:p>
+            <a:pPr algn="ctr"/>
+            <a:r>
+              <a:rPr lang="en-US" dirty="0" err="1"/>
+              <a:t>Nhân</a:t>
+            </a:r>
+            <a:r>
+              <a:rPr lang="en-US" dirty="0"/>
+              <a:t> </a:t>
+            </a:r>
+            <a:r>
+              <a:rPr lang="en-US" dirty="0" err="1"/>
+              <a:t>viên</a:t>
+            </a:r>
+            <a:endParaRPr lang="en-US" dirty="0"/>
+          </a:p>
+        </p:txBody>
+      </p:sp>
+      <p:sp>
+        <p:nvSpPr>
+          <p:cNvPr id="82" name="Rectangle: Rounded Corners 81">
+            <a:extLst>
+              <a:ext uri="{FF2B5EF4-FFF2-40B4-BE49-F238E27FC236}">
+                <a16:creationId xmlns:a16="http://schemas.microsoft.com/office/drawing/2014/main" id="{BE138CEB-A546-FE21-2469-0A2F615E24DA}"/>
+              </a:ext>
+            </a:extLst>
+          </p:cNvPr>
+          <p:cNvSpPr/>
+          <p:nvPr/>
+        </p:nvSpPr>
+        <p:spPr>
+          <a:xfrm>
+            <a:off x="677333" y="5276384"/>
+            <a:ext cx="1125415" cy="581242"/>
+          </a:xfrm>
+          <a:prstGeom prst="roundRect">
+            <a:avLst/>
+          </a:prstGeom>
+        </p:spPr>
+        <p:style>
+          <a:lnRef idx="2">
+            <a:schemeClr val="accent6">
+              <a:shade val="15000"/>
+            </a:schemeClr>
+          </a:lnRef>
+          <a:fillRef idx="1">
+            <a:schemeClr val="accent6"/>
+          </a:fillRef>
+          <a:effectRef idx="0">
+            <a:schemeClr val="accent6"/>
+          </a:effectRef>
+          <a:fontRef idx="minor">
+            <a:schemeClr val="lt1"/>
+          </a:fontRef>
+        </p:style>
+        <p:txBody>
+          <a:bodyPr rtlCol="0" anchor="ctr"/>
+          <a:lstStyle/>
+          <a:p>
+            <a:pPr algn="ctr"/>
+            <a:r>
+              <a:rPr lang="en-US" dirty="0" err="1"/>
+              <a:t>Khách</a:t>
+            </a:r>
+            <a:r>
+              <a:rPr lang="en-US" dirty="0"/>
+              <a:t> </a:t>
+            </a:r>
+            <a:r>
+              <a:rPr lang="en-US" dirty="0" err="1"/>
+              <a:t>hàng</a:t>
+            </a:r>
+            <a:endParaRPr lang="en-US" dirty="0"/>
+          </a:p>
+        </p:txBody>
+      </p:sp>
+      <p:cxnSp>
+        <p:nvCxnSpPr>
+          <p:cNvPr id="84" name="Straight Arrow Connector 83">
+            <a:extLst>
+              <a:ext uri="{FF2B5EF4-FFF2-40B4-BE49-F238E27FC236}">
+                <a16:creationId xmlns:a16="http://schemas.microsoft.com/office/drawing/2014/main" id="{3AA76B0E-E4ED-203D-8664-1206CF71D01B}"/>
+              </a:ext>
+            </a:extLst>
+          </p:cNvPr>
+          <p:cNvCxnSpPr>
+            <a:cxnSpLocks/>
+            <a:stCxn id="82" idx="3"/>
+            <a:endCxn id="9" idx="2"/>
+          </p:cNvCxnSpPr>
+          <p:nvPr/>
+        </p:nvCxnSpPr>
+        <p:spPr>
+          <a:xfrm flipV="1">
+            <a:off x="1802748" y="5558524"/>
+            <a:ext cx="2261599" cy="8481"/>
+          </a:xfrm>
+          <a:prstGeom prst="straightConnector1">
+            <a:avLst/>
+          </a:prstGeom>
+          <a:ln>
+            <a:tailEnd type="triangle"/>
+          </a:ln>
+        </p:spPr>
+        <p:style>
+          <a:lnRef idx="2">
+            <a:schemeClr val="dk1"/>
+          </a:lnRef>
+          <a:fillRef idx="0">
+            <a:schemeClr val="dk1"/>
+          </a:fillRef>
+          <a:effectRef idx="1">
+            <a:schemeClr val="dk1"/>
+          </a:effectRef>
+          <a:fontRef idx="minor">
+            <a:schemeClr val="tx1"/>
+          </a:fontRef>
+        </p:style>
+      </p:cxnSp>
+      <p:cxnSp>
+        <p:nvCxnSpPr>
+          <p:cNvPr id="86" name="Straight Arrow Connector 85">
+            <a:extLst>
+              <a:ext uri="{FF2B5EF4-FFF2-40B4-BE49-F238E27FC236}">
+                <a16:creationId xmlns:a16="http://schemas.microsoft.com/office/drawing/2014/main" id="{DE3C1B8C-52E5-94A5-EF7C-7DDFB5B18282}"/>
+              </a:ext>
+            </a:extLst>
+          </p:cNvPr>
+          <p:cNvCxnSpPr>
+            <a:stCxn id="81" idx="3"/>
+            <a:endCxn id="8" idx="2"/>
+          </p:cNvCxnSpPr>
+          <p:nvPr/>
+        </p:nvCxnSpPr>
+        <p:spPr>
+          <a:xfrm>
+            <a:off x="1802749" y="3536404"/>
+            <a:ext cx="641515" cy="1"/>
+          </a:xfrm>
+          <a:prstGeom prst="straightConnector1">
+            <a:avLst/>
+          </a:prstGeom>
+          <a:ln>
+            <a:tailEnd type="triangle"/>
+          </a:ln>
+        </p:spPr>
+        <p:style>
+          <a:lnRef idx="2">
+            <a:schemeClr val="dk1"/>
+          </a:lnRef>
+          <a:fillRef idx="0">
+            <a:schemeClr val="dk1"/>
+          </a:fillRef>
+          <a:effectRef idx="1">
+            <a:schemeClr val="dk1"/>
+          </a:effectRef>
+          <a:fontRef idx="minor">
+            <a:schemeClr val="tx1"/>
+          </a:fontRef>
+        </p:style>
+      </p:cxnSp>
+      <p:cxnSp>
+        <p:nvCxnSpPr>
+          <p:cNvPr id="88" name="Straight Arrow Connector 87">
+            <a:extLst>
+              <a:ext uri="{FF2B5EF4-FFF2-40B4-BE49-F238E27FC236}">
+                <a16:creationId xmlns:a16="http://schemas.microsoft.com/office/drawing/2014/main" id="{53E1295D-8899-DBFC-10AC-F96C346400A3}"/>
+              </a:ext>
+            </a:extLst>
+          </p:cNvPr>
+          <p:cNvCxnSpPr>
+            <a:stCxn id="60" idx="3"/>
+            <a:endCxn id="7" idx="2"/>
+          </p:cNvCxnSpPr>
+          <p:nvPr/>
+        </p:nvCxnSpPr>
+        <p:spPr>
+          <a:xfrm>
+            <a:off x="1802749" y="2442781"/>
+            <a:ext cx="2459552" cy="4493"/>
+          </a:xfrm>
+          <a:prstGeom prst="straightConnector1">
+            <a:avLst/>
+          </a:prstGeom>
+          <a:ln>
+            <a:tailEnd type="triangle"/>
+          </a:ln>
+        </p:spPr>
+        <p:style>
+          <a:lnRef idx="2">
+            <a:schemeClr val="dk1"/>
+          </a:lnRef>
+          <a:fillRef idx="0">
+            <a:schemeClr val="dk1"/>
+          </a:fillRef>
+          <a:effectRef idx="1">
+            <a:schemeClr val="dk1"/>
+          </a:effectRef>
+          <a:fontRef idx="minor">
+            <a:schemeClr val="tx1"/>
+          </a:fontRef>
+        </p:style>
+      </p:cxnSp>
+      <p:sp>
+        <p:nvSpPr>
+          <p:cNvPr id="89" name="TextBox 88">
+            <a:extLst>
+              <a:ext uri="{FF2B5EF4-FFF2-40B4-BE49-F238E27FC236}">
+                <a16:creationId xmlns:a16="http://schemas.microsoft.com/office/drawing/2014/main" id="{92D79C26-F439-1FE9-200A-7C8244B3C939}"/>
+              </a:ext>
+            </a:extLst>
+          </p:cNvPr>
+          <p:cNvSpPr txBox="1"/>
+          <p:nvPr/>
+        </p:nvSpPr>
+        <p:spPr>
+          <a:xfrm>
+            <a:off x="2534993" y="2075875"/>
+            <a:ext cx="553357" cy="369332"/>
+          </a:xfrm>
+          <a:prstGeom prst="rect">
+            <a:avLst/>
+          </a:prstGeom>
+          <a:noFill/>
+        </p:spPr>
+        <p:txBody>
+          <a:bodyPr wrap="none" rtlCol="0">
+            <a:spAutoFit/>
+          </a:bodyPr>
+          <a:lstStyle/>
+          <a:p>
+            <a:r>
+              <a:rPr lang="en-US" dirty="0"/>
+              <a:t>R.U</a:t>
+            </a:r>
+          </a:p>
+        </p:txBody>
+      </p:sp>
+      <p:sp>
+        <p:nvSpPr>
+          <p:cNvPr id="90" name="TextBox 89">
+            <a:extLst>
+              <a:ext uri="{FF2B5EF4-FFF2-40B4-BE49-F238E27FC236}">
+                <a16:creationId xmlns:a16="http://schemas.microsoft.com/office/drawing/2014/main" id="{5A8FBA51-5EF6-B6F1-98FC-3EA74E555D63}"/>
+              </a:ext>
+            </a:extLst>
+          </p:cNvPr>
+          <p:cNvSpPr txBox="1"/>
+          <p:nvPr/>
+        </p:nvSpPr>
+        <p:spPr>
+          <a:xfrm>
+            <a:off x="1831164" y="3132849"/>
+            <a:ext cx="553357" cy="369332"/>
+          </a:xfrm>
+          <a:prstGeom prst="rect">
+            <a:avLst/>
+          </a:prstGeom>
+          <a:noFill/>
+        </p:spPr>
+        <p:txBody>
+          <a:bodyPr wrap="none" rtlCol="0">
+            <a:spAutoFit/>
+          </a:bodyPr>
+          <a:lstStyle/>
+          <a:p>
+            <a:r>
+              <a:rPr lang="en-US" dirty="0"/>
+              <a:t>R.U</a:t>
+            </a:r>
+          </a:p>
+        </p:txBody>
+      </p:sp>
+      <p:sp>
+        <p:nvSpPr>
+          <p:cNvPr id="91" name="TextBox 90">
+            <a:extLst>
+              <a:ext uri="{FF2B5EF4-FFF2-40B4-BE49-F238E27FC236}">
+                <a16:creationId xmlns:a16="http://schemas.microsoft.com/office/drawing/2014/main" id="{A028D377-15A0-A91C-96D3-5FA34098CDE8}"/>
+              </a:ext>
+            </a:extLst>
+          </p:cNvPr>
+          <p:cNvSpPr txBox="1"/>
+          <p:nvPr/>
+        </p:nvSpPr>
+        <p:spPr>
+          <a:xfrm>
+            <a:off x="2415033" y="5197673"/>
+            <a:ext cx="1002197" cy="369332"/>
+          </a:xfrm>
+          <a:prstGeom prst="rect">
+            <a:avLst/>
+          </a:prstGeom>
+          <a:noFill/>
+        </p:spPr>
+        <p:txBody>
+          <a:bodyPr wrap="none" rtlCol="0">
+            <a:spAutoFit/>
+          </a:bodyPr>
+          <a:lstStyle/>
+          <a:p>
+            <a:r>
+              <a:rPr lang="en-US" dirty="0"/>
+              <a:t>C.R.U.D</a:t>
+            </a:r>
+          </a:p>
+        </p:txBody>
+      </p:sp>
+      <p:cxnSp>
+        <p:nvCxnSpPr>
+          <p:cNvPr id="95" name="Straight Arrow Connector 94">
+            <a:extLst>
+              <a:ext uri="{FF2B5EF4-FFF2-40B4-BE49-F238E27FC236}">
+                <a16:creationId xmlns:a16="http://schemas.microsoft.com/office/drawing/2014/main" id="{606EC3A9-90E8-9BD3-2600-792926BDFCDB}"/>
+              </a:ext>
+            </a:extLst>
+          </p:cNvPr>
+          <p:cNvCxnSpPr>
+            <a:stCxn id="9" idx="6"/>
+            <a:endCxn id="5" idx="1"/>
+          </p:cNvCxnSpPr>
+          <p:nvPr/>
+        </p:nvCxnSpPr>
+        <p:spPr>
+          <a:xfrm>
+            <a:off x="6123086" y="5558524"/>
+            <a:ext cx="2705858" cy="43486"/>
+          </a:xfrm>
+          <a:prstGeom prst="straightConnector1">
+            <a:avLst/>
+          </a:prstGeom>
+          <a:ln>
+            <a:tailEnd type="triangle"/>
+          </a:ln>
+        </p:spPr>
+        <p:style>
+          <a:lnRef idx="2">
+            <a:schemeClr val="dk1"/>
+          </a:lnRef>
+          <a:fillRef idx="0">
+            <a:schemeClr val="dk1"/>
+          </a:fillRef>
+          <a:effectRef idx="1">
+            <a:schemeClr val="dk1"/>
+          </a:effectRef>
+          <a:fontRef idx="minor">
+            <a:schemeClr val="tx1"/>
+          </a:fontRef>
+        </p:style>
+      </p:cxnSp>
+      <p:sp>
+        <p:nvSpPr>
+          <p:cNvPr id="96" name="TextBox 95">
+            <a:extLst>
+              <a:ext uri="{FF2B5EF4-FFF2-40B4-BE49-F238E27FC236}">
+                <a16:creationId xmlns:a16="http://schemas.microsoft.com/office/drawing/2014/main" id="{90FADEA6-E5FF-B54F-0874-0375F8890FE9}"/>
+              </a:ext>
+            </a:extLst>
+          </p:cNvPr>
+          <p:cNvSpPr txBox="1"/>
+          <p:nvPr/>
+        </p:nvSpPr>
+        <p:spPr>
+          <a:xfrm>
+            <a:off x="6532812" y="5151483"/>
+            <a:ext cx="2093843" cy="369332"/>
+          </a:xfrm>
+          <a:prstGeom prst="rect">
+            <a:avLst/>
+          </a:prstGeom>
+          <a:noFill/>
+        </p:spPr>
+        <p:txBody>
+          <a:bodyPr wrap="none" rtlCol="0">
+            <a:spAutoFit/>
+          </a:bodyPr>
+          <a:lstStyle/>
+          <a:p>
+            <a:r>
+              <a:rPr lang="en-US" dirty="0"/>
+              <a:t>C.R.U.D (</a:t>
+            </a:r>
+            <a:r>
+              <a:rPr lang="en-US" dirty="0" err="1"/>
+              <a:t>Giới</a:t>
+            </a:r>
+            <a:r>
+              <a:rPr lang="en-US" dirty="0"/>
+              <a:t> </a:t>
+            </a:r>
+            <a:r>
+              <a:rPr lang="en-US" dirty="0" err="1"/>
+              <a:t>hạn</a:t>
+            </a:r>
+            <a:r>
+              <a:rPr lang="en-US" dirty="0"/>
+              <a:t>)</a:t>
+            </a:r>
+          </a:p>
+        </p:txBody>
+      </p:sp>
+      <p:cxnSp>
+        <p:nvCxnSpPr>
+          <p:cNvPr id="98" name="Connector: Elbow 97">
+            <a:extLst>
+              <a:ext uri="{FF2B5EF4-FFF2-40B4-BE49-F238E27FC236}">
+                <a16:creationId xmlns:a16="http://schemas.microsoft.com/office/drawing/2014/main" id="{3B4C6F17-2861-0ABD-8D55-B1B0E9B5A2CB}"/>
+              </a:ext>
+            </a:extLst>
+          </p:cNvPr>
+          <p:cNvCxnSpPr>
+            <a:cxnSpLocks/>
+            <a:stCxn id="100" idx="6"/>
+            <a:endCxn id="5" idx="0"/>
+          </p:cNvCxnSpPr>
+          <p:nvPr/>
+        </p:nvCxnSpPr>
+        <p:spPr>
+          <a:xfrm>
+            <a:off x="5203748" y="3532830"/>
+            <a:ext cx="4517615" cy="1735072"/>
+          </a:xfrm>
+          <a:prstGeom prst="bentConnector2">
+            <a:avLst/>
+          </a:prstGeom>
+          <a:ln>
+            <a:tailEnd type="triangle"/>
+          </a:ln>
+        </p:spPr>
+        <p:style>
+          <a:lnRef idx="2">
+            <a:schemeClr val="dk1"/>
+          </a:lnRef>
+          <a:fillRef idx="0">
+            <a:schemeClr val="dk1"/>
+          </a:fillRef>
+          <a:effectRef idx="1">
+            <a:schemeClr val="dk1"/>
+          </a:effectRef>
+          <a:fontRef idx="minor">
+            <a:schemeClr val="tx1"/>
+          </a:fontRef>
+        </p:style>
+      </p:cxnSp>
+      <p:sp>
+        <p:nvSpPr>
+          <p:cNvPr id="99" name="TextBox 98">
+            <a:extLst>
+              <a:ext uri="{FF2B5EF4-FFF2-40B4-BE49-F238E27FC236}">
+                <a16:creationId xmlns:a16="http://schemas.microsoft.com/office/drawing/2014/main" id="{63BC9104-89D0-0041-4262-57003737FEDF}"/>
+              </a:ext>
+            </a:extLst>
+          </p:cNvPr>
+          <p:cNvSpPr txBox="1"/>
+          <p:nvPr/>
+        </p:nvSpPr>
+        <p:spPr>
+          <a:xfrm>
+            <a:off x="6717451" y="3085877"/>
+            <a:ext cx="1002197" cy="369332"/>
+          </a:xfrm>
+          <a:prstGeom prst="rect">
+            <a:avLst/>
+          </a:prstGeom>
+          <a:noFill/>
+        </p:spPr>
+        <p:txBody>
+          <a:bodyPr wrap="none" rtlCol="0">
+            <a:spAutoFit/>
+          </a:bodyPr>
+          <a:lstStyle/>
+          <a:p>
+            <a:r>
+              <a:rPr lang="en-US" dirty="0"/>
+              <a:t>C.R.U.D</a:t>
+            </a:r>
+          </a:p>
+        </p:txBody>
+      </p:sp>
+      <p:sp>
+        <p:nvSpPr>
+          <p:cNvPr id="100" name="Oval 99">
+            <a:extLst>
+              <a:ext uri="{FF2B5EF4-FFF2-40B4-BE49-F238E27FC236}">
+                <a16:creationId xmlns:a16="http://schemas.microsoft.com/office/drawing/2014/main" id="{8AC346E8-BF62-0444-7651-FE7AB1989483}"/>
+              </a:ext>
+            </a:extLst>
+          </p:cNvPr>
+          <p:cNvSpPr/>
+          <p:nvPr/>
+        </p:nvSpPr>
+        <p:spPr>
+          <a:xfrm>
+            <a:off x="4966355" y="3418530"/>
+            <a:ext cx="237393" cy="228600"/>
+          </a:xfrm>
+          <a:prstGeom prst="ellipse">
+            <a:avLst/>
+          </a:prstGeom>
+        </p:spPr>
+        <p:style>
+          <a:lnRef idx="2">
+            <a:schemeClr val="dk1">
+              <a:shade val="15000"/>
+            </a:schemeClr>
+          </a:lnRef>
+          <a:fillRef idx="1">
+            <a:schemeClr val="dk1"/>
+          </a:fillRef>
+          <a:effectRef idx="0">
+            <a:schemeClr val="dk1"/>
+          </a:effectRef>
+          <a:fontRef idx="minor">
+            <a:schemeClr val="lt1"/>
+          </a:fontRef>
+        </p:style>
+        <p:txBody>
+          <a:bodyPr rtlCol="0" anchor="ctr"/>
+          <a:lstStyle/>
+          <a:p>
+            <a:pPr algn="ctr"/>
+            <a:endParaRPr lang="en-US"/>
+          </a:p>
+        </p:txBody>
+      </p:sp>
+    </p:spTree>
+    <p:extLst>
+      <p:ext uri="{BB962C8B-B14F-4D97-AF65-F5344CB8AC3E}">
+        <p14:creationId xmlns:p14="http://schemas.microsoft.com/office/powerpoint/2010/main" val="2872147097"/>
+      </p:ext>
+    </p:extLst>
+  </p:cSld>
+  <p:clrMapOvr>
+    <a:masterClrMapping/>
+  </p:clrMapOvr>
+</p:sld>
+</file>
+
+<file path=ppt/slides/slide3.xml><?xml version="1.0" encoding="utf-8"?>
+<p:sld xmlns:a="http://schemas.openxmlformats.org/drawingml/2006/main" xmlns:r="http://schemas.openxmlformats.org/officeDocument/2006/relationships" xmlns:p="http://schemas.openxmlformats.org/presentationml/2006/main">
+  <p:cSld>
+    <p:spTree>
+      <p:nvGrpSpPr>
+        <p:cNvPr id="1" name=""/>
+        <p:cNvGrpSpPr/>
+        <p:nvPr/>
+      </p:nvGrpSpPr>
+      <p:grpSpPr>
+        <a:xfrm>
+          <a:off x="0" y="0"/>
+          <a:ext cx="0" cy="0"/>
+          <a:chOff x="0" y="0"/>
+          <a:chExt cx="0" cy="0"/>
+        </a:xfrm>
+      </p:grpSpPr>
+      <p:sp>
+        <p:nvSpPr>
+          <p:cNvPr id="2" name="Title 1">
+            <a:extLst>
+              <a:ext uri="{FF2B5EF4-FFF2-40B4-BE49-F238E27FC236}">
+                <a16:creationId xmlns:a16="http://schemas.microsoft.com/office/drawing/2014/main" id="{F5B6A368-C51C-FF3B-F464-EE252EAF4B13}"/>
+              </a:ext>
+            </a:extLst>
+          </p:cNvPr>
+          <p:cNvSpPr>
+            <a:spLocks noGrp="1"/>
+          </p:cNvSpPr>
+          <p:nvPr>
+            <p:ph type="title"/>
+          </p:nvPr>
+        </p:nvSpPr>
+        <p:spPr/>
+        <p:txBody>
+          <a:bodyPr/>
+          <a:lstStyle/>
+          <a:p>
+            <a:r>
+              <a:rPr lang="en-US" dirty="0" err="1">
+                <a:latin typeface="Times New Roman" panose="02020603050405020304" pitchFamily="18" charset="0"/>
+                <a:cs typeface="Times New Roman" panose="02020603050405020304" pitchFamily="18" charset="0"/>
+              </a:rPr>
+              <a:t>Sơ</a:t>
+            </a:r>
+            <a:r>
+              <a:rPr lang="en-US" dirty="0">
+                <a:latin typeface="Times New Roman" panose="02020603050405020304" pitchFamily="18" charset="0"/>
+                <a:cs typeface="Times New Roman" panose="02020603050405020304" pitchFamily="18" charset="0"/>
+              </a:rPr>
+              <a:t> </a:t>
+            </a:r>
+            <a:r>
+              <a:rPr lang="en-US" dirty="0" err="1">
+                <a:latin typeface="Times New Roman" panose="02020603050405020304" pitchFamily="18" charset="0"/>
+                <a:cs typeface="Times New Roman" panose="02020603050405020304" pitchFamily="18" charset="0"/>
+              </a:rPr>
+              <a:t>đồ</a:t>
+            </a:r>
+            <a:r>
+              <a:rPr lang="en-US" dirty="0">
+                <a:latin typeface="Times New Roman" panose="02020603050405020304" pitchFamily="18" charset="0"/>
+                <a:cs typeface="Times New Roman" panose="02020603050405020304" pitchFamily="18" charset="0"/>
+              </a:rPr>
+              <a:t> </a:t>
+            </a:r>
+            <a:r>
+              <a:rPr lang="en-US" dirty="0" err="1">
+                <a:latin typeface="Times New Roman" panose="02020603050405020304" pitchFamily="18" charset="0"/>
+                <a:cs typeface="Times New Roman" panose="02020603050405020304" pitchFamily="18" charset="0"/>
+              </a:rPr>
+              <a:t>hoạt</a:t>
+            </a:r>
+            <a:r>
+              <a:rPr lang="en-US" dirty="0">
+                <a:latin typeface="Times New Roman" panose="02020603050405020304" pitchFamily="18" charset="0"/>
+                <a:cs typeface="Times New Roman" panose="02020603050405020304" pitchFamily="18" charset="0"/>
+              </a:rPr>
+              <a:t> </a:t>
+            </a:r>
+            <a:r>
+              <a:rPr lang="en-US" dirty="0" err="1">
+                <a:latin typeface="Times New Roman" panose="02020603050405020304" pitchFamily="18" charset="0"/>
+                <a:cs typeface="Times New Roman" panose="02020603050405020304" pitchFamily="18" charset="0"/>
+              </a:rPr>
+              <a:t>động</a:t>
+            </a:r>
+            <a:endParaRPr lang="en-US" dirty="0">
+              <a:latin typeface="Times New Roman" panose="02020603050405020304" pitchFamily="18" charset="0"/>
+              <a:cs typeface="Times New Roman" panose="02020603050405020304" pitchFamily="18" charset="0"/>
+            </a:endParaRPr>
+          </a:p>
+        </p:txBody>
+      </p:sp>
+      <p:sp>
+        <p:nvSpPr>
+          <p:cNvPr id="6" name="Rectangle: Rounded Corners 5">
+            <a:extLst>
+              <a:ext uri="{FF2B5EF4-FFF2-40B4-BE49-F238E27FC236}">
+                <a16:creationId xmlns:a16="http://schemas.microsoft.com/office/drawing/2014/main" id="{64D4567D-8434-EE66-F142-075D6368B00C}"/>
+              </a:ext>
+            </a:extLst>
+          </p:cNvPr>
+          <p:cNvSpPr/>
+          <p:nvPr/>
+        </p:nvSpPr>
+        <p:spPr>
+          <a:xfrm>
+            <a:off x="334434" y="2868978"/>
+            <a:ext cx="1679331" cy="703385"/>
+          </a:xfrm>
+          <a:prstGeom prst="roundRect">
+            <a:avLst/>
+          </a:prstGeom>
+        </p:spPr>
+        <p:style>
+          <a:lnRef idx="2">
+            <a:schemeClr val="accent1">
+              <a:shade val="15000"/>
+            </a:schemeClr>
+          </a:lnRef>
+          <a:fillRef idx="1">
+            <a:schemeClr val="accent1"/>
+          </a:fillRef>
+          <a:effectRef idx="0">
+            <a:schemeClr val="accent1"/>
+          </a:effectRef>
+          <a:fontRef idx="minor">
+            <a:schemeClr val="lt1"/>
+          </a:fontRef>
+        </p:style>
+        <p:txBody>
+          <a:bodyPr rtlCol="0" anchor="ctr"/>
+          <a:lstStyle/>
+          <a:p>
+            <a:pPr algn="ctr"/>
+            <a:r>
+              <a:rPr lang="en-US" dirty="0"/>
+              <a:t>Trang </a:t>
+            </a:r>
+            <a:r>
+              <a:rPr lang="en-US" dirty="0" err="1"/>
+              <a:t>chủ</a:t>
+            </a:r>
+            <a:endParaRPr lang="en-US" dirty="0"/>
+          </a:p>
+        </p:txBody>
+      </p:sp>
+      <p:sp>
+        <p:nvSpPr>
+          <p:cNvPr id="7" name="Rectangle: Rounded Corners 6">
+            <a:extLst>
+              <a:ext uri="{FF2B5EF4-FFF2-40B4-BE49-F238E27FC236}">
+                <a16:creationId xmlns:a16="http://schemas.microsoft.com/office/drawing/2014/main" id="{712379EE-F15E-F26A-64C0-0E58C720088F}"/>
+              </a:ext>
+            </a:extLst>
+          </p:cNvPr>
+          <p:cNvSpPr/>
+          <p:nvPr/>
+        </p:nvSpPr>
+        <p:spPr>
+          <a:xfrm>
+            <a:off x="4257264" y="1208086"/>
+            <a:ext cx="1679331" cy="703385"/>
+          </a:xfrm>
+          <a:prstGeom prst="roundRect">
+            <a:avLst/>
+          </a:prstGeom>
+        </p:spPr>
+        <p:style>
+          <a:lnRef idx="2">
+            <a:schemeClr val="accent1">
+              <a:shade val="15000"/>
+            </a:schemeClr>
+          </a:lnRef>
+          <a:fillRef idx="1">
+            <a:schemeClr val="accent1"/>
+          </a:fillRef>
+          <a:effectRef idx="0">
+            <a:schemeClr val="accent1"/>
+          </a:effectRef>
+          <a:fontRef idx="minor">
+            <a:schemeClr val="lt1"/>
+          </a:fontRef>
+        </p:style>
+        <p:txBody>
+          <a:bodyPr rtlCol="0" anchor="ctr"/>
+          <a:lstStyle/>
+          <a:p>
+            <a:pPr algn="ctr"/>
+            <a:r>
               <a:rPr lang="en-US" dirty="0"/>
               <a:t>Quản </a:t>
             </a:r>
@@ -6398,6 +7725,11 @@
           <a:prstGeom prst="ellipse">
             <a:avLst/>
           </a:prstGeom>
+          <a:solidFill>
+            <a:schemeClr val="bg2">
+              <a:lumMod val="90000"/>
+            </a:schemeClr>
+          </a:solidFill>
           <a:ln>
             <a:headEnd type="none" w="med" len="med"/>
             <a:tailEnd type="none" w="med" len="med"/>
@@ -6423,18 +7755,34 @@
           <a:p>
             <a:pPr algn="ctr"/>
             <a:r>
-              <a:rPr lang="en-US" dirty="0" err="1"/>
+              <a:rPr lang="en-US" dirty="0" err="1">
+                <a:solidFill>
+                  <a:schemeClr val="tx1"/>
+                </a:solidFill>
+              </a:rPr>
               <a:t>Doanh</a:t>
             </a:r>
             <a:r>
-              <a:rPr lang="en-US" dirty="0"/>
+              <a:rPr lang="en-US" dirty="0">
+                <a:solidFill>
+                  <a:schemeClr val="tx1"/>
+                </a:solidFill>
+              </a:rPr>
               <a:t> </a:t>
             </a:r>
             <a:r>
-              <a:rPr lang="en-US" dirty="0" err="1"/>
+              <a:rPr lang="en-US" dirty="0" err="1">
+                <a:solidFill>
+                  <a:schemeClr val="tx1"/>
+                </a:solidFill>
+              </a:rPr>
               <a:t>nghiệp</a:t>
             </a:r>
-            <a:endParaRPr lang="en-US" dirty="0"/>
+            <a:endParaRPr lang="en-US" dirty="0">
+              <a:solidFill>
+                <a:schemeClr val="tx1"/>
+              </a:solidFill>
+            </a:endParaRPr>
           </a:p>
         </p:txBody>
       </p:sp>
@@ -6458,6 +7806,11 @@
           <a:prstGeom prst="ellipse">
             <a:avLst/>
           </a:prstGeom>
+          <a:solidFill>
+            <a:schemeClr val="bg2">
+              <a:lumMod val="90000"/>
+            </a:schemeClr>
+          </a:solidFill>
           <a:ln>
             <a:headEnd type="none" w="med" len="med"/>
             <a:tailEnd type="none" w="med" len="med"/>
@@ -6483,18 +7836,34 @@
           <a:p>
             <a:pPr algn="ctr"/>
             <a:r>
-              <a:rPr lang="en-US" dirty="0" err="1"/>
+              <a:rPr lang="en-US" dirty="0" err="1">
+                <a:solidFill>
+                  <a:schemeClr val="tx1"/>
+                </a:solidFill>
+              </a:rPr>
               <a:t>Người</a:t>
             </a:r>
             <a:r>
-              <a:rPr lang="en-US" dirty="0"/>
+              <a:rPr lang="en-US" dirty="0">
+                <a:solidFill>
+                  <a:schemeClr val="tx1"/>
+                </a:solidFill>
+              </a:rPr>
               <a:t> </a:t>
             </a:r>
             <a:r>
-              <a:rPr lang="en-US" dirty="0" err="1"/>
+              <a:rPr lang="en-US" dirty="0" err="1">
+                <a:solidFill>
+                  <a:schemeClr val="tx1"/>
+                </a:solidFill>
+              </a:rPr>
               <a:t>dùng</a:t>
             </a:r>
-            <a:endParaRPr lang="en-US" dirty="0"/>
+            <a:endParaRPr lang="en-US" dirty="0">
+              <a:solidFill>
+                <a:schemeClr val="tx1"/>
+              </a:solidFill>
+            </a:endParaRPr>
           </a:p>
         </p:txBody>
       </p:sp>
